--- a/Exercise_1.pptx
+++ b/Exercise_1.pptx
@@ -4983,7 +4983,7 @@
         </p:blipFill>
         <p:spPr>
           <a:xfrm>
-            <a:off x="408834" y="1844946"/>
+            <a:off x="416016" y="1884883"/>
             <a:ext cx="6079560" cy="3087237"/>
           </a:xfrm>
           <a:prstGeom prst="rect">
@@ -5162,8 +5162,8 @@
         </p:blipFill>
         <p:spPr>
           <a:xfrm>
-            <a:off x="433610" y="1817924"/>
-            <a:ext cx="5145793" cy="3160221"/>
+            <a:off x="306003" y="1808098"/>
+            <a:ext cx="5277015" cy="3240809"/>
           </a:xfrm>
           <a:prstGeom prst="rect">
             <a:avLst/>
@@ -5191,8 +5191,8 @@
         </p:blipFill>
         <p:spPr>
           <a:xfrm>
-            <a:off x="6865692" y="1817924"/>
-            <a:ext cx="5145793" cy="3159250"/>
+            <a:off x="6738456" y="1809093"/>
+            <a:ext cx="5277016" cy="3239814"/>
           </a:xfrm>
           <a:prstGeom prst="rect">
             <a:avLst/>
